--- a/part1/get_target_resource/1.目标执行方法论-分享.pptx
+++ b/part1/get_target_resource/1.目标执行方法论-分享.pptx
@@ -3071,7 +3071,7 @@
         <a:spcBef>
           <a:spcPts val="1000"/>
         </a:spcBef>
-        <a:buFont typeface="Arial" panose="020B0604020202020204" pitchFamily="34" charset="0"/>
+        <a:buFont typeface="Arial" panose="020B0604020202090204" pitchFamily="34" charset="0"/>
         <a:buChar char="•"/>
         <a:defRPr sz="2800" kern="1200">
           <a:solidFill>
@@ -3089,7 +3089,7 @@
         <a:spcBef>
           <a:spcPts val="500"/>
         </a:spcBef>
-        <a:buFont typeface="Arial" panose="020B0604020202020204" pitchFamily="34" charset="0"/>
+        <a:buFont typeface="Arial" panose="020B0604020202090204" pitchFamily="34" charset="0"/>
         <a:buChar char="•"/>
         <a:defRPr sz="2400" kern="1200">
           <a:solidFill>
@@ -3107,7 +3107,7 @@
         <a:spcBef>
           <a:spcPts val="500"/>
         </a:spcBef>
-        <a:buFont typeface="Arial" panose="020B0604020202020204" pitchFamily="34" charset="0"/>
+        <a:buFont typeface="Arial" panose="020B0604020202090204" pitchFamily="34" charset="0"/>
         <a:buChar char="•"/>
         <a:defRPr sz="2000" kern="1200">
           <a:solidFill>
@@ -3125,7 +3125,7 @@
         <a:spcBef>
           <a:spcPts val="500"/>
         </a:spcBef>
-        <a:buFont typeface="Arial" panose="020B0604020202020204" pitchFamily="34" charset="0"/>
+        <a:buFont typeface="Arial" panose="020B0604020202090204" pitchFamily="34" charset="0"/>
         <a:buChar char="•"/>
         <a:defRPr sz="1800" kern="1200">
           <a:solidFill>
@@ -3143,7 +3143,7 @@
         <a:spcBef>
           <a:spcPts val="500"/>
         </a:spcBef>
-        <a:buFont typeface="Arial" panose="020B0604020202020204" pitchFamily="34" charset="0"/>
+        <a:buFont typeface="Arial" panose="020B0604020202090204" pitchFamily="34" charset="0"/>
         <a:buChar char="•"/>
         <a:defRPr sz="1800" kern="1200">
           <a:solidFill>
@@ -3161,7 +3161,7 @@
         <a:spcBef>
           <a:spcPts val="500"/>
         </a:spcBef>
-        <a:buFont typeface="Arial" panose="020B0604020202020204" pitchFamily="34" charset="0"/>
+        <a:buFont typeface="Arial" panose="020B0604020202090204" pitchFamily="34" charset="0"/>
         <a:buChar char="•"/>
         <a:defRPr sz="1800" kern="1200">
           <a:solidFill>
@@ -3179,7 +3179,7 @@
         <a:spcBef>
           <a:spcPts val="500"/>
         </a:spcBef>
-        <a:buFont typeface="Arial" panose="020B0604020202020204" pitchFamily="34" charset="0"/>
+        <a:buFont typeface="Arial" panose="020B0604020202090204" pitchFamily="34" charset="0"/>
         <a:buChar char="•"/>
         <a:defRPr sz="1800" kern="1200">
           <a:solidFill>
@@ -3197,7 +3197,7 @@
         <a:spcBef>
           <a:spcPts val="500"/>
         </a:spcBef>
-        <a:buFont typeface="Arial" panose="020B0604020202020204" pitchFamily="34" charset="0"/>
+        <a:buFont typeface="Arial" panose="020B0604020202090204" pitchFamily="34" charset="0"/>
         <a:buChar char="•"/>
         <a:defRPr sz="1800" kern="1200">
           <a:solidFill>
@@ -3215,7 +3215,7 @@
         <a:spcBef>
           <a:spcPts val="500"/>
         </a:spcBef>
-        <a:buFont typeface="Arial" panose="020B0604020202020204" pitchFamily="34" charset="0"/>
+        <a:buFont typeface="Arial" panose="020B0604020202090204" pitchFamily="34" charset="0"/>
         <a:buChar char="•"/>
         <a:defRPr sz="1800" kern="1200">
           <a:solidFill>
@@ -3390,15 +3390,7 @@
           <a:p>
             <a:r>
               <a:rPr lang="zh-CN" altLang="en-US"/>
-              <a:t>豸印研发</a:t>
-            </a:r>
-            <a:r>
-              <a:rPr lang="en-US" altLang="zh-CN"/>
-              <a:t>     </a:t>
-            </a:r>
-            <a:r>
-              <a:rPr lang="zh-CN" altLang="en-US"/>
-              <a:t>常瑞和</a:t>
+              <a:t>寒志</a:t>
             </a:r>
             <a:endParaRPr lang="zh-CN" altLang="en-US"/>
           </a:p>
@@ -3808,55 +3800,55 @@
             <a:r>
               <a:rPr lang="en-US" b="1">
                 <a:latin typeface="Calibri" panose="020F0502020204030204" charset="0"/>
-                <a:ea typeface="宋体" panose="02010600030101010101" pitchFamily="2" charset="-122"/>
+                <a:ea typeface="宋体" pitchFamily="2" charset="-122"/>
               </a:rPr>
               <a:t>(1)  </a:t>
             </a:r>
             <a:r>
               <a:rPr lang="zh-CN" altLang="en-US" b="1">
                 <a:latin typeface="Calibri" panose="020F0502020204030204" charset="0"/>
-                <a:ea typeface="宋体" panose="02010600030101010101" pitchFamily="2" charset="-122"/>
+                <a:ea typeface="宋体" pitchFamily="2" charset="-122"/>
               </a:rPr>
               <a:t>目标：</a:t>
             </a:r>
             <a:r>
               <a:rPr lang="en-US" altLang="zh-CN" b="1">
                 <a:latin typeface="Calibri" panose="020F0502020204030204" charset="0"/>
-                <a:ea typeface="宋体" panose="02010600030101010101" pitchFamily="2" charset="-122"/>
+                <a:ea typeface="宋体" pitchFamily="2" charset="-122"/>
               </a:rPr>
               <a:t> </a:t>
             </a:r>
             <a:r>
               <a:rPr lang="zh-CN" altLang="en-US" b="1">
                 <a:latin typeface="Calibri" panose="020F0502020204030204" charset="0"/>
-                <a:ea typeface="宋体" panose="02010600030101010101" pitchFamily="2" charset="-122"/>
+                <a:ea typeface="宋体" pitchFamily="2" charset="-122"/>
               </a:rPr>
               <a:t>成为技术专家</a:t>
             </a:r>
             <a:r>
               <a:rPr lang="en-US" altLang="zh-CN" b="1">
                 <a:latin typeface="Calibri" panose="020F0502020204030204" charset="0"/>
-                <a:ea typeface="宋体" panose="02010600030101010101" pitchFamily="2" charset="-122"/>
+                <a:ea typeface="宋体" pitchFamily="2" charset="-122"/>
               </a:rPr>
               <a:t>;</a:t>
             </a:r>
             <a:endParaRPr lang="en-US" b="1">
               <a:latin typeface="Calibri" panose="020F0502020204030204" charset="0"/>
-              <a:ea typeface="宋体" panose="02010600030101010101" pitchFamily="2" charset="-122"/>
+              <a:ea typeface="宋体" pitchFamily="2" charset="-122"/>
             </a:endParaRPr>
           </a:p>
           <a:p>
             <a:pPr indent="0"/>
             <a:endParaRPr lang="en-US" b="0">
               <a:latin typeface="Calibri" panose="020F0502020204030204" charset="0"/>
-              <a:ea typeface="宋体" panose="02010600030101010101" pitchFamily="2" charset="-122"/>
+              <a:ea typeface="宋体" pitchFamily="2" charset="-122"/>
             </a:endParaRPr>
           </a:p>
           <a:p>
             <a:pPr indent="0"/>
             <a:endParaRPr lang="en-US" b="0">
               <a:latin typeface="Calibri" panose="020F0502020204030204" charset="0"/>
-              <a:ea typeface="宋体" panose="02010600030101010101" pitchFamily="2" charset="-122"/>
+              <a:ea typeface="宋体" pitchFamily="2" charset="-122"/>
             </a:endParaRPr>
           </a:p>
           <a:p>
@@ -3864,34 +3856,34 @@
             <a:r>
               <a:rPr lang="en-US" b="1">
                 <a:latin typeface="Calibri" panose="020F0502020204030204" charset="0"/>
-                <a:ea typeface="宋体" panose="02010600030101010101" pitchFamily="2" charset="-122"/>
+                <a:ea typeface="宋体" pitchFamily="2" charset="-122"/>
               </a:rPr>
               <a:t>(2)</a:t>
             </a:r>
             <a:r>
               <a:rPr lang="zh-CN" altLang="en-US" b="1">
                 <a:latin typeface="Calibri" panose="020F0502020204030204" charset="0"/>
-                <a:ea typeface="宋体" panose="02010600030101010101" pitchFamily="2" charset="-122"/>
+                <a:ea typeface="宋体" pitchFamily="2" charset="-122"/>
               </a:rPr>
               <a:t>策略</a:t>
             </a:r>
             <a:r>
               <a:rPr lang="en-US" altLang="zh-CN" b="1">
                 <a:latin typeface="Calibri" panose="020F0502020204030204" charset="0"/>
-                <a:ea typeface="宋体" panose="02010600030101010101" pitchFamily="2" charset="-122"/>
+                <a:ea typeface="宋体" pitchFamily="2" charset="-122"/>
               </a:rPr>
               <a:t>1 : </a:t>
             </a:r>
             <a:r>
               <a:rPr lang="zh-CN" b="1">
                 <a:latin typeface="Calibri" panose="020F0502020204030204" charset="0"/>
-                <a:ea typeface="宋体" panose="02010600030101010101" pitchFamily="2" charset="-122"/>
+                <a:ea typeface="宋体" pitchFamily="2" charset="-122"/>
               </a:rPr>
               <a:t>先点后面，有深度才能博广度</a:t>
             </a:r>
             <a:endParaRPr lang="en-US" altLang="zh-CN" b="1">
               <a:latin typeface="Calibri" panose="020F0502020204030204" charset="0"/>
-              <a:ea typeface="宋体" panose="02010600030101010101" pitchFamily="2" charset="-122"/>
+              <a:ea typeface="宋体" pitchFamily="2" charset="-122"/>
             </a:endParaRPr>
           </a:p>
           <a:p>
@@ -3899,7 +3891,7 @@
             <a:r>
               <a:rPr lang="en-US" b="0">
                 <a:latin typeface="Calibri" panose="020F0502020204030204" charset="0"/>
-                <a:ea typeface="宋体" panose="02010600030101010101" pitchFamily="2" charset="-122"/>
+                <a:ea typeface="宋体" pitchFamily="2" charset="-122"/>
               </a:rPr>
               <a:t> ① </a:t>
@@ -3907,59 +3899,59 @@
             <a:r>
               <a:rPr lang="zh-CN" b="0">
                 <a:latin typeface="Calibri" panose="020F0502020204030204" charset="0"/>
-                <a:ea typeface="宋体" panose="02010600030101010101" pitchFamily="2" charset="-122"/>
+                <a:ea typeface="宋体" pitchFamily="2" charset="-122"/>
               </a:rPr>
               <a:t>点入门</a:t>
             </a:r>
             <a:r>
               <a:rPr lang="en-US" b="0">
                 <a:latin typeface="Calibri" panose="020F0502020204030204" charset="0"/>
-                <a:ea typeface="宋体" panose="02010600030101010101" pitchFamily="2" charset="-122"/>
-                <a:cs typeface="Times New Roman" panose="02020603050405020304" charset="0"/>
+                <a:ea typeface="宋体" pitchFamily="2" charset="-122"/>
+                <a:cs typeface="Times New Roman" panose="02020503050405090304" charset="0"/>
               </a:rPr>
               <a:t>: </a:t>
             </a:r>
             <a:r>
               <a:rPr lang="zh-CN" b="0">
                 <a:latin typeface="Calibri" panose="020F0502020204030204" charset="0"/>
-                <a:ea typeface="宋体" panose="02010600030101010101" pitchFamily="2" charset="-122"/>
+                <a:ea typeface="宋体" pitchFamily="2" charset="-122"/>
               </a:rPr>
               <a:t>找一个技术方向具体的点，找</a:t>
             </a:r>
             <a:r>
               <a:rPr lang="en-US" b="0">
                 <a:latin typeface="Calibri" panose="020F0502020204030204" charset="0"/>
-                <a:ea typeface="宋体" panose="02010600030101010101" pitchFamily="2" charset="-122"/>
+                <a:ea typeface="宋体" pitchFamily="2" charset="-122"/>
               </a:rPr>
               <a:t>top</a:t>
             </a:r>
             <a:r>
               <a:rPr lang="en-US" b="0">
                 <a:latin typeface="Calibri" panose="020F0502020204030204" charset="0"/>
-                <a:ea typeface="宋体" panose="02010600030101010101" pitchFamily="2" charset="-122"/>
-                <a:cs typeface="Times New Roman" panose="02020603050405020304" charset="0"/>
+                <a:ea typeface="宋体" pitchFamily="2" charset="-122"/>
+                <a:cs typeface="Times New Roman" panose="02020503050405090304" charset="0"/>
               </a:rPr>
               <a:t>10 </a:t>
             </a:r>
             <a:r>
               <a:rPr lang="zh-CN" b="0">
                 <a:latin typeface="Calibri" panose="020F0502020204030204" charset="0"/>
-                <a:ea typeface="宋体" panose="02010600030101010101" pitchFamily="2" charset="-122"/>
+                <a:ea typeface="宋体" pitchFamily="2" charset="-122"/>
               </a:rPr>
               <a:t>书籍学习实践</a:t>
             </a:r>
             <a:r>
               <a:rPr lang="en-US" b="0">
                 <a:latin typeface="Calibri" panose="020F0502020204030204" charset="0"/>
-                <a:ea typeface="宋体" panose="02010600030101010101" pitchFamily="2" charset="-122"/>
-                <a:cs typeface="Times New Roman" panose="02020603050405020304" charset="0"/>
+                <a:ea typeface="宋体" pitchFamily="2" charset="-122"/>
+                <a:cs typeface="Times New Roman" panose="02020503050405090304" charset="0"/>
               </a:rPr>
               <a:t>;</a:t>
             </a:r>
             <a:r>
               <a:rPr lang="en-US" b="0">
                 <a:latin typeface="Calibri" panose="020F0502020204030204" charset="0"/>
-                <a:ea typeface="宋体" panose="02010600030101010101" pitchFamily="2" charset="-122"/>
+                <a:ea typeface="宋体" pitchFamily="2" charset="-122"/>
               </a:rPr>
               <a:t> ② </a:t>
@@ -3967,52 +3959,52 @@
             <a:r>
               <a:rPr lang="zh-CN" b="0">
                 <a:latin typeface="Calibri" panose="020F0502020204030204" charset="0"/>
-                <a:ea typeface="宋体" panose="02010600030101010101" pitchFamily="2" charset="-122"/>
+                <a:ea typeface="宋体" pitchFamily="2" charset="-122"/>
               </a:rPr>
               <a:t>点精通</a:t>
             </a:r>
             <a:r>
               <a:rPr lang="en-US" b="0">
                 <a:latin typeface="Calibri" panose="020F0502020204030204" charset="0"/>
-                <a:ea typeface="宋体" panose="02010600030101010101" pitchFamily="2" charset="-122"/>
-                <a:cs typeface="Times New Roman" panose="02020603050405020304" charset="0"/>
+                <a:ea typeface="宋体" pitchFamily="2" charset="-122"/>
+                <a:cs typeface="Times New Roman" panose="02020503050405090304" charset="0"/>
               </a:rPr>
               <a:t>: </a:t>
             </a:r>
             <a:r>
               <a:rPr lang="zh-CN" b="0">
                 <a:latin typeface="Calibri" panose="020F0502020204030204" charset="0"/>
-                <a:ea typeface="宋体" panose="02010600030101010101" pitchFamily="2" charset="-122"/>
+                <a:ea typeface="宋体" pitchFamily="2" charset="-122"/>
               </a:rPr>
               <a:t>实践熟悉，从开发到生产自己实践运维</a:t>
             </a:r>
             <a:r>
               <a:rPr lang="en-US" b="0">
                 <a:latin typeface="Calibri" panose="020F0502020204030204" charset="0"/>
-                <a:ea typeface="宋体" panose="02010600030101010101" pitchFamily="2" charset="-122"/>
-                <a:cs typeface="Times New Roman" panose="02020603050405020304" charset="0"/>
+                <a:ea typeface="宋体" pitchFamily="2" charset="-122"/>
+                <a:cs typeface="Times New Roman" panose="02020503050405090304" charset="0"/>
               </a:rPr>
               <a:t>,</a:t>
             </a:r>
             <a:r>
               <a:rPr lang="zh-CN" b="0">
                 <a:latin typeface="Calibri" panose="020F0502020204030204" charset="0"/>
-                <a:ea typeface="宋体" panose="02010600030101010101" pitchFamily="2" charset="-122"/>
+                <a:ea typeface="宋体" pitchFamily="2" charset="-122"/>
               </a:rPr>
               <a:t>能解决日常的问题</a:t>
             </a:r>
             <a:r>
               <a:rPr lang="en-US" b="0">
                 <a:latin typeface="Calibri" panose="020F0502020204030204" charset="0"/>
-                <a:ea typeface="宋体" panose="02010600030101010101" pitchFamily="2" charset="-122"/>
-                <a:cs typeface="Times New Roman" panose="02020603050405020304" charset="0"/>
+                <a:ea typeface="宋体" pitchFamily="2" charset="-122"/>
+                <a:cs typeface="Times New Roman" panose="02020503050405090304" charset="0"/>
               </a:rPr>
               <a:t>;</a:t>
             </a:r>
             <a:r>
               <a:rPr lang="en-US" b="0">
                 <a:latin typeface="Calibri" panose="020F0502020204030204" charset="0"/>
-                <a:ea typeface="宋体" panose="02010600030101010101" pitchFamily="2" charset="-122"/>
+                <a:ea typeface="宋体" pitchFamily="2" charset="-122"/>
               </a:rPr>
               <a:t> ③ </a:t>
@@ -4020,52 +4012,52 @@
             <a:r>
               <a:rPr lang="zh-CN" b="0">
                 <a:latin typeface="Calibri" panose="020F0502020204030204" charset="0"/>
-                <a:ea typeface="宋体" panose="02010600030101010101" pitchFamily="2" charset="-122"/>
+                <a:ea typeface="宋体" pitchFamily="2" charset="-122"/>
               </a:rPr>
               <a:t>点专家</a:t>
             </a:r>
             <a:r>
               <a:rPr lang="en-US" b="0">
                 <a:latin typeface="Calibri" panose="020F0502020204030204" charset="0"/>
-                <a:ea typeface="宋体" panose="02010600030101010101" pitchFamily="2" charset="-122"/>
-                <a:cs typeface="Times New Roman" panose="02020603050405020304" charset="0"/>
+                <a:ea typeface="宋体" pitchFamily="2" charset="-122"/>
+                <a:cs typeface="Times New Roman" panose="02020503050405090304" charset="0"/>
               </a:rPr>
               <a:t>: </a:t>
             </a:r>
             <a:r>
               <a:rPr lang="zh-CN" b="0">
                 <a:latin typeface="Calibri" panose="020F0502020204030204" charset="0"/>
-                <a:ea typeface="宋体" panose="02010600030101010101" pitchFamily="2" charset="-122"/>
+                <a:ea typeface="宋体" pitchFamily="2" charset="-122"/>
               </a:rPr>
               <a:t>找开源社区，找行业头部，去看发展趋势方向，从未来的视角看现在，写新的功能做贡献</a:t>
             </a:r>
             <a:r>
               <a:rPr lang="en-US" b="0">
                 <a:latin typeface="Calibri" panose="020F0502020204030204" charset="0"/>
-                <a:ea typeface="宋体" panose="02010600030101010101" pitchFamily="2" charset="-122"/>
-                <a:cs typeface="Times New Roman" panose="02020603050405020304" charset="0"/>
+                <a:ea typeface="宋体" pitchFamily="2" charset="-122"/>
+                <a:cs typeface="Times New Roman" panose="02020503050405090304" charset="0"/>
               </a:rPr>
               <a:t>,</a:t>
             </a:r>
             <a:r>
               <a:rPr lang="zh-CN" b="0">
                 <a:latin typeface="Calibri" panose="020F0502020204030204" charset="0"/>
-                <a:ea typeface="宋体" panose="02010600030101010101" pitchFamily="2" charset="-122"/>
+                <a:ea typeface="宋体" pitchFamily="2" charset="-122"/>
               </a:rPr>
               <a:t>成为一个点的专家</a:t>
             </a:r>
             <a:r>
               <a:rPr lang="en-US" b="0">
                 <a:latin typeface="Calibri" panose="020F0502020204030204" charset="0"/>
-                <a:ea typeface="宋体" panose="02010600030101010101" pitchFamily="2" charset="-122"/>
-                <a:cs typeface="Times New Roman" panose="02020603050405020304" charset="0"/>
+                <a:ea typeface="宋体" pitchFamily="2" charset="-122"/>
+                <a:cs typeface="Times New Roman" panose="02020503050405090304" charset="0"/>
               </a:rPr>
               <a:t>; </a:t>
             </a:r>
             <a:r>
               <a:rPr lang="en-US" b="0">
                 <a:latin typeface="Calibri" panose="020F0502020204030204" charset="0"/>
-                <a:ea typeface="宋体" panose="02010600030101010101" pitchFamily="2" charset="-122"/>
+                <a:ea typeface="宋体" pitchFamily="2" charset="-122"/>
               </a:rPr>
               <a:t> ④ </a:t>
@@ -4073,29 +4065,29 @@
             <a:r>
               <a:rPr lang="zh-CN" b="0">
                 <a:latin typeface="Calibri" panose="020F0502020204030204" charset="0"/>
-                <a:ea typeface="宋体" panose="02010600030101010101" pitchFamily="2" charset="-122"/>
+                <a:ea typeface="宋体" pitchFamily="2" charset="-122"/>
               </a:rPr>
               <a:t>点到面：</a:t>
             </a:r>
             <a:r>
               <a:rPr lang="en-US" b="0">
                 <a:latin typeface="Calibri" panose="020F0502020204030204" charset="0"/>
-                <a:ea typeface="宋体" panose="02010600030101010101" pitchFamily="2" charset="-122"/>
-                <a:cs typeface="Times New Roman" panose="02020603050405020304" charset="0"/>
+                <a:ea typeface="宋体" pitchFamily="2" charset="-122"/>
+                <a:cs typeface="Times New Roman" panose="02020503050405090304" charset="0"/>
               </a:rPr>
               <a:t> </a:t>
             </a:r>
             <a:r>
               <a:rPr lang="zh-CN" b="0">
                 <a:latin typeface="Calibri" panose="020F0502020204030204" charset="0"/>
-                <a:ea typeface="宋体" panose="02010600030101010101" pitchFamily="2" charset="-122"/>
+                <a:ea typeface="宋体" pitchFamily="2" charset="-122"/>
               </a:rPr>
               <a:t>一个点的吃透，让我们对垂直过程有了一个清晰的体验，触类旁通，可以由点到面去扩展新的点；</a:t>
             </a:r>
             <a:r>
               <a:rPr lang="en-US" b="0">
                 <a:latin typeface="Calibri" panose="020F0502020204030204" charset="0"/>
-                <a:ea typeface="宋体" panose="02010600030101010101" pitchFamily="2" charset="-122"/>
+                <a:ea typeface="宋体" pitchFamily="2" charset="-122"/>
               </a:rPr>
               <a:t> ⑤ </a:t>
@@ -4103,171 +4095,170 @@
             <a:r>
               <a:rPr lang="zh-CN" b="0">
                 <a:latin typeface="Calibri" panose="020F0502020204030204" charset="0"/>
-                <a:ea typeface="宋体" panose="02010600030101010101" pitchFamily="2" charset="-122"/>
+                <a:ea typeface="宋体" pitchFamily="2" charset="-122"/>
               </a:rPr>
               <a:t>面到体：</a:t>
             </a:r>
             <a:r>
               <a:rPr lang="en-US" b="0">
                 <a:latin typeface="Calibri" panose="020F0502020204030204" charset="0"/>
-                <a:ea typeface="宋体" panose="02010600030101010101" pitchFamily="2" charset="-122"/>
-                <a:cs typeface="Times New Roman" panose="02020603050405020304" charset="0"/>
+                <a:ea typeface="宋体" pitchFamily="2" charset="-122"/>
+                <a:cs typeface="Times New Roman" panose="02020503050405090304" charset="0"/>
               </a:rPr>
               <a:t> </a:t>
             </a:r>
             <a:r>
               <a:rPr lang="zh-CN" b="0">
                 <a:latin typeface="Calibri" panose="020F0502020204030204" charset="0"/>
-                <a:ea typeface="宋体" panose="02010600030101010101" pitchFamily="2" charset="-122"/>
+                <a:ea typeface="宋体" pitchFamily="2" charset="-122"/>
               </a:rPr>
               <a:t>我们掌握的点多了，构成面，面多了构成体系，我们就发展成了全面高手</a:t>
             </a:r>
             <a:r>
               <a:rPr lang="en-US" b="0">
                 <a:latin typeface="Calibri" panose="020F0502020204030204" charset="0"/>
-                <a:ea typeface="宋体" panose="02010600030101010101" pitchFamily="2" charset="-122"/>
-                <a:cs typeface="Times New Roman" panose="02020603050405020304" charset="0"/>
+                <a:ea typeface="宋体" pitchFamily="2" charset="-122"/>
+                <a:cs typeface="Times New Roman" panose="02020503050405090304" charset="0"/>
               </a:rPr>
               <a:t>;</a:t>
             </a:r>
             <a:endParaRPr lang="en-US" b="0">
               <a:latin typeface="Calibri" panose="020F0502020204030204" charset="0"/>
-              <a:ea typeface="宋体" panose="02010600030101010101" pitchFamily="2" charset="-122"/>
-              <a:cs typeface="Times New Roman" panose="02020603050405020304" charset="0"/>
+              <a:ea typeface="宋体" pitchFamily="2" charset="-122"/>
+              <a:cs typeface="Times New Roman" panose="02020503050405090304" charset="0"/>
             </a:endParaRPr>
           </a:p>
           <a:p>
             <a:pPr indent="0"/>
+            <a:endParaRPr lang="en-US" b="0">
+              <a:latin typeface="Calibri" panose="020F0502020204030204" charset="0"/>
+              <a:ea typeface="宋体" pitchFamily="2" charset="-122"/>
+            </a:endParaRPr>
+          </a:p>
+          <a:p>
+            <a:pPr indent="0"/>
+            <a:r>
+              <a:rPr lang="en-US" b="1">
+                <a:latin typeface="Calibri" panose="020F0502020204030204" charset="0"/>
+                <a:ea typeface="宋体" pitchFamily="2" charset="-122"/>
+              </a:rPr>
+              <a:t>(2) </a:t>
+            </a:r>
+            <a:r>
+              <a:rPr lang="zh-CN" altLang="en-US" b="1">
+                <a:latin typeface="Calibri" panose="020F0502020204030204" charset="0"/>
+                <a:ea typeface="宋体" pitchFamily="2" charset="-122"/>
+              </a:rPr>
+              <a:t>策略</a:t>
+            </a:r>
+            <a:r>
+              <a:rPr lang="en-US" altLang="zh-CN" b="1">
+                <a:latin typeface="Calibri" panose="020F0502020204030204" charset="0"/>
+                <a:ea typeface="宋体" pitchFamily="2" charset="-122"/>
+              </a:rPr>
+              <a:t>2:  </a:t>
+            </a:r>
+            <a:r>
+              <a:rPr lang="zh-CN" b="1">
+                <a:latin typeface="Calibri" panose="020F0502020204030204" charset="0"/>
+                <a:ea typeface="宋体" pitchFamily="2" charset="-122"/>
+              </a:rPr>
+              <a:t>先上后下，有全局才能精局部（金字塔原理）</a:t>
+            </a:r>
+            <a:endParaRPr lang="zh-CN" b="1">
+              <a:latin typeface="Calibri" panose="020F0502020204030204" charset="0"/>
+              <a:ea typeface="宋体" pitchFamily="2" charset="-122"/>
+            </a:endParaRPr>
+          </a:p>
+          <a:p>
+            <a:pPr lvl="1" indent="0"/>
             <a:r>
               <a:rPr lang="en-US" b="0">
                 <a:latin typeface="Calibri" panose="020F0502020204030204" charset="0"/>
-                <a:ea typeface="宋体" panose="02010600030101010101" pitchFamily="2" charset="-122"/>
+                <a:ea typeface="宋体" pitchFamily="2" charset="-122"/>
               </a:rPr>
               <a:t>-</a:t>
-            </a:r>
-            <a:r>
-              <a:rPr lang="en-US" b="1">
+① </a:t>
+            </a:r>
+            <a:r>
+              <a:rPr lang="zh-CN" b="0">
                 <a:latin typeface="Calibri" panose="020F0502020204030204" charset="0"/>
-                <a:ea typeface="宋体" panose="02010600030101010101" pitchFamily="2" charset="-122"/>
-              </a:rPr>
-              <a:t>(2) </a:t>
-            </a:r>
-            <a:r>
-              <a:rPr lang="zh-CN" altLang="en-US" b="1">
-                <a:latin typeface="Calibri" panose="020F0502020204030204" charset="0"/>
-                <a:ea typeface="宋体" panose="02010600030101010101" pitchFamily="2" charset="-122"/>
-              </a:rPr>
-              <a:t>策略</a:t>
-            </a:r>
-            <a:r>
-              <a:rPr lang="en-US" altLang="zh-CN" b="1">
-                <a:latin typeface="Calibri" panose="020F0502020204030204" charset="0"/>
-                <a:ea typeface="宋体" panose="02010600030101010101" pitchFamily="2" charset="-122"/>
-              </a:rPr>
-              <a:t>2:  </a:t>
-            </a:r>
-            <a:r>
-              <a:rPr lang="zh-CN" b="1">
-                <a:latin typeface="Calibri" panose="020F0502020204030204" charset="0"/>
-                <a:ea typeface="宋体" panose="02010600030101010101" pitchFamily="2" charset="-122"/>
-              </a:rPr>
-              <a:t>先上后下，有全局才能精局部（金字塔原理）</a:t>
-            </a:r>
-            <a:endParaRPr lang="zh-CN" b="1">
-              <a:latin typeface="Calibri" panose="020F0502020204030204" charset="0"/>
-              <a:ea typeface="宋体" panose="02010600030101010101" pitchFamily="2" charset="-122"/>
-            </a:endParaRPr>
-          </a:p>
-          <a:p>
-            <a:pPr lvl="1" indent="0"/>
+                <a:ea typeface="宋体" pitchFamily="2" charset="-122"/>
+              </a:rPr>
+              <a:t>从高维要有整体意识，知识整体的关联性；</a:t>
+            </a:r>
             <a:r>
               <a:rPr lang="en-US" b="0">
                 <a:latin typeface="Calibri" panose="020F0502020204030204" charset="0"/>
-                <a:ea typeface="宋体" panose="02010600030101010101" pitchFamily="2" charset="-122"/>
+                <a:ea typeface="宋体" pitchFamily="2" charset="-122"/>
               </a:rPr>
               <a:t>-① </a:t>
+② </a:t>
             </a:r>
             <a:r>
               <a:rPr lang="zh-CN" b="0">
                 <a:latin typeface="Calibri" panose="020F0502020204030204" charset="0"/>
-                <a:ea typeface="宋体" panose="02010600030101010101" pitchFamily="2" charset="-122"/>
-              </a:rPr>
-              <a:t>从高维要有整体意识，知识整体的关联性；</a:t>
+                <a:ea typeface="宋体" pitchFamily="2" charset="-122"/>
+              </a:rPr>
+              <a:t>从高维向下探索到叶子节点，在叶子节点</a:t>
             </a:r>
             <a:r>
               <a:rPr lang="en-US" b="0">
                 <a:latin typeface="Calibri" panose="020F0502020204030204" charset="0"/>
-                <a:ea typeface="宋体" panose="02010600030101010101" pitchFamily="2" charset="-122"/>
-              </a:rPr>
-              <a:t>-② </a:t>
+                <a:ea typeface="宋体" pitchFamily="2" charset="-122"/>
+                <a:cs typeface="Times New Roman" panose="02020503050405090304" charset="0"/>
+              </a:rPr>
+              <a:t> </a:t>
             </a:r>
             <a:r>
               <a:rPr lang="zh-CN" b="0">
                 <a:latin typeface="Calibri" panose="020F0502020204030204" charset="0"/>
-                <a:ea typeface="宋体" panose="02010600030101010101" pitchFamily="2" charset="-122"/>
-              </a:rPr>
-              <a:t>从高维向下探索到叶子节点，在叶子节点</a:t>
+                <a:ea typeface="宋体" pitchFamily="2" charset="-122"/>
+              </a:rPr>
+              <a:t>进行第一步</a:t>
             </a:r>
             <a:r>
               <a:rPr lang="en-US" b="0">
                 <a:latin typeface="Calibri" panose="020F0502020204030204" charset="0"/>
-                <a:ea typeface="宋体" panose="02010600030101010101" pitchFamily="2" charset="-122"/>
-                <a:cs typeface="Times New Roman" panose="02020603050405020304" charset="0"/>
+                <a:ea typeface="宋体" pitchFamily="2" charset="-122"/>
+                <a:cs typeface="Times New Roman" panose="02020503050405090304" charset="0"/>
               </a:rPr>
               <a:t> </a:t>
             </a:r>
             <a:r>
               <a:rPr lang="zh-CN" b="0">
                 <a:latin typeface="Calibri" panose="020F0502020204030204" charset="0"/>
-                <a:ea typeface="宋体" panose="02010600030101010101" pitchFamily="2" charset="-122"/>
-              </a:rPr>
-              <a:t>进行第一步</a:t>
+                <a:ea typeface="宋体" pitchFamily="2" charset="-122"/>
+              </a:rPr>
+              <a:t>先点后面</a:t>
             </a:r>
             <a:r>
               <a:rPr lang="en-US" b="0">
                 <a:latin typeface="Calibri" panose="020F0502020204030204" charset="0"/>
-                <a:ea typeface="宋体" panose="02010600030101010101" pitchFamily="2" charset="-122"/>
-                <a:cs typeface="Times New Roman" panose="02020603050405020304" charset="0"/>
+                <a:ea typeface="宋体" pitchFamily="2" charset="-122"/>
+                <a:cs typeface="Times New Roman" panose="02020503050405090304" charset="0"/>
               </a:rPr>
               <a:t> </a:t>
             </a:r>
             <a:r>
               <a:rPr lang="zh-CN" b="0">
                 <a:latin typeface="Calibri" panose="020F0502020204030204" charset="0"/>
-                <a:ea typeface="宋体" panose="02010600030101010101" pitchFamily="2" charset="-122"/>
-              </a:rPr>
-              <a:t>先点后面</a:t>
+                <a:ea typeface="宋体" pitchFamily="2" charset="-122"/>
+              </a:rPr>
+              <a:t>方法论的探索</a:t>
             </a:r>
             <a:r>
               <a:rPr lang="en-US" b="0">
                 <a:latin typeface="Calibri" panose="020F0502020204030204" charset="0"/>
-                <a:ea typeface="宋体" panose="02010600030101010101" pitchFamily="2" charset="-122"/>
-                <a:cs typeface="Times New Roman" panose="02020603050405020304" charset="0"/>
-              </a:rPr>
-              <a:t> </a:t>
-            </a:r>
-            <a:r>
-              <a:rPr lang="zh-CN" b="0">
-                <a:latin typeface="Calibri" panose="020F0502020204030204" charset="0"/>
-                <a:ea typeface="宋体" panose="02010600030101010101" pitchFamily="2" charset="-122"/>
-              </a:rPr>
-              <a:t>方法论的探索</a:t>
-            </a:r>
-            <a:r>
-              <a:rPr lang="en-US" b="0">
-                <a:latin typeface="Calibri" panose="020F0502020204030204" charset="0"/>
-                <a:ea typeface="宋体" panose="02010600030101010101" pitchFamily="2" charset="-122"/>
-                <a:cs typeface="Times New Roman" panose="02020603050405020304" charset="0"/>
+                <a:ea typeface="宋体" pitchFamily="2" charset="-122"/>
+                <a:cs typeface="Times New Roman" panose="02020503050405090304" charset="0"/>
               </a:rPr>
               <a:t>; </a:t>
             </a:r>
             <a:endParaRPr lang="en-US" b="0">
               <a:latin typeface="Calibri" panose="020F0502020204030204" charset="0"/>
-              <a:ea typeface="宋体" panose="02010600030101010101" pitchFamily="2" charset="-122"/>
-              <a:cs typeface="Times New Roman" panose="02020603050405020304" charset="0"/>
+              <a:ea typeface="宋体" pitchFamily="2" charset="-122"/>
+              <a:cs typeface="Times New Roman" panose="02020503050405090304" charset="0"/>
             </a:endParaRPr>
           </a:p>
           <a:p>
@@ -4279,8 +4270,8 @@
                 <a:schemeClr val="tx1"/>
               </a:solidFill>
               <a:latin typeface="Calibri" panose="020F0502020204030204" charset="0"/>
-              <a:ea typeface="宋体" panose="02010600030101010101" pitchFamily="2" charset="-122"/>
-              <a:cs typeface="Times New Roman" panose="02020603050405020304" charset="0"/>
+              <a:ea typeface="宋体" pitchFamily="2" charset="-122"/>
+              <a:cs typeface="Times New Roman" panose="02020503050405090304" charset="0"/>
             </a:endParaRPr>
           </a:p>
           <a:p>
@@ -4292,8 +4283,8 @@
                 <a:schemeClr val="tx1"/>
               </a:solidFill>
               <a:latin typeface="Calibri" panose="020F0502020204030204" charset="0"/>
-              <a:ea typeface="宋体" panose="02010600030101010101" pitchFamily="2" charset="-122"/>
-              <a:cs typeface="Times New Roman" panose="02020603050405020304" charset="0"/>
+              <a:ea typeface="宋体" pitchFamily="2" charset="-122"/>
+              <a:cs typeface="Times New Roman" panose="02020503050405090304" charset="0"/>
             </a:endParaRPr>
           </a:p>
           <a:p>
@@ -4306,7 +4297,7 @@
                   <a:schemeClr val="tx1"/>
                 </a:solidFill>
                 <a:latin typeface="Calibri" panose="020F0502020204030204" charset="0"/>
-                <a:ea typeface="宋体" panose="02010600030101010101" pitchFamily="2" charset="-122"/>
+                <a:ea typeface="宋体" pitchFamily="2" charset="-122"/>
               </a:rPr>
               <a:t>(3) </a:t>
             </a:r>
@@ -4316,7 +4307,7 @@
                   <a:schemeClr val="tx1"/>
                 </a:solidFill>
                 <a:latin typeface="Calibri" panose="020F0502020204030204" charset="0"/>
-                <a:ea typeface="宋体" panose="02010600030101010101" pitchFamily="2" charset="-122"/>
+                <a:ea typeface="宋体" pitchFamily="2" charset="-122"/>
               </a:rPr>
               <a:t>策略</a:t>
             </a:r>
@@ -4326,7 +4317,7 @@
                   <a:schemeClr val="tx1"/>
                 </a:solidFill>
                 <a:latin typeface="Calibri" panose="020F0502020204030204" charset="0"/>
-                <a:ea typeface="宋体" panose="02010600030101010101" pitchFamily="2" charset="-122"/>
+                <a:ea typeface="宋体" pitchFamily="2" charset="-122"/>
               </a:rPr>
               <a:t>3</a:t>
             </a:r>
@@ -4336,29 +4327,29 @@
                   <a:schemeClr val="tx1"/>
                 </a:solidFill>
                 <a:latin typeface="Calibri" panose="020F0502020204030204" charset="0"/>
-                <a:ea typeface="宋体" panose="02010600030101010101" pitchFamily="2" charset="-122"/>
+                <a:ea typeface="宋体" pitchFamily="2" charset="-122"/>
               </a:rPr>
               <a:t>：</a:t>
             </a:r>
             <a:r>
               <a:rPr lang="zh-CN" b="1">
                 <a:latin typeface="Calibri" panose="020F0502020204030204" charset="0"/>
-                <a:ea typeface="宋体" panose="02010600030101010101" pitchFamily="2" charset="-122"/>
+                <a:ea typeface="宋体" pitchFamily="2" charset="-122"/>
               </a:rPr>
               <a:t>能力支撑：心力、坚持、探索、全局意识、价值目标驱动</a:t>
             </a:r>
             <a:r>
               <a:rPr lang="en-US" b="1">
                 <a:latin typeface="Calibri" panose="020F0502020204030204" charset="0"/>
-                <a:ea typeface="宋体" panose="02010600030101010101" pitchFamily="2" charset="-122"/>
-                <a:cs typeface="Times New Roman" panose="02020603050405020304" charset="0"/>
+                <a:ea typeface="宋体" pitchFamily="2" charset="-122"/>
+                <a:cs typeface="Times New Roman" panose="02020503050405090304" charset="0"/>
               </a:rPr>
               <a:t>;</a:t>
             </a:r>
             <a:endParaRPr lang="en-US" altLang="en-US" b="1">
               <a:latin typeface="Calibri" panose="020F0502020204030204" charset="0"/>
-              <a:ea typeface="宋体" panose="02010600030101010101" pitchFamily="2" charset="-122"/>
-              <a:cs typeface="Times New Roman" panose="02020603050405020304" charset="0"/>
+              <a:ea typeface="宋体" pitchFamily="2" charset="-122"/>
+              <a:cs typeface="Times New Roman" panose="02020503050405090304" charset="0"/>
             </a:endParaRPr>
           </a:p>
         </p:txBody>
